--- a/specification/imgsrc/5.pptx
+++ b/specification/imgsrc/5.pptx
@@ -304,7 +304,7 @@
           <a:p>
             <a:fld id="{AE815B46-341F-5944-85F1-809C855EA4E3}" type="datetimeFigureOut">
               <a:rPr lang="en-US" smtClean="0"/>
-              <a:t>10/8/17</a:t>
+              <a:t>11/27/17</a:t>
             </a:fld>
             <a:endParaRPr lang="en-US"/>
           </a:p>
@@ -474,7 +474,7 @@
           <a:p>
             <a:fld id="{AE815B46-341F-5944-85F1-809C855EA4E3}" type="datetimeFigureOut">
               <a:rPr lang="en-US" smtClean="0"/>
-              <a:t>10/8/17</a:t>
+              <a:t>11/27/17</a:t>
             </a:fld>
             <a:endParaRPr lang="en-US"/>
           </a:p>
@@ -654,7 +654,7 @@
           <a:p>
             <a:fld id="{AE815B46-341F-5944-85F1-809C855EA4E3}" type="datetimeFigureOut">
               <a:rPr lang="en-US" smtClean="0"/>
-              <a:t>10/8/17</a:t>
+              <a:t>11/27/17</a:t>
             </a:fld>
             <a:endParaRPr lang="en-US"/>
           </a:p>
@@ -824,7 +824,7 @@
           <a:p>
             <a:fld id="{AE815B46-341F-5944-85F1-809C855EA4E3}" type="datetimeFigureOut">
               <a:rPr lang="en-US" smtClean="0"/>
-              <a:t>10/8/17</a:t>
+              <a:t>11/27/17</a:t>
             </a:fld>
             <a:endParaRPr lang="en-US"/>
           </a:p>
@@ -1070,7 +1070,7 @@
           <a:p>
             <a:fld id="{AE815B46-341F-5944-85F1-809C855EA4E3}" type="datetimeFigureOut">
               <a:rPr lang="en-US" smtClean="0"/>
-              <a:t>10/8/17</a:t>
+              <a:t>11/27/17</a:t>
             </a:fld>
             <a:endParaRPr lang="en-US"/>
           </a:p>
@@ -1358,7 +1358,7 @@
           <a:p>
             <a:fld id="{AE815B46-341F-5944-85F1-809C855EA4E3}" type="datetimeFigureOut">
               <a:rPr lang="en-US" smtClean="0"/>
-              <a:t>10/8/17</a:t>
+              <a:t>11/27/17</a:t>
             </a:fld>
             <a:endParaRPr lang="en-US"/>
           </a:p>
@@ -1780,7 +1780,7 @@
           <a:p>
             <a:fld id="{AE815B46-341F-5944-85F1-809C855EA4E3}" type="datetimeFigureOut">
               <a:rPr lang="en-US" smtClean="0"/>
-              <a:t>10/8/17</a:t>
+              <a:t>11/27/17</a:t>
             </a:fld>
             <a:endParaRPr lang="en-US"/>
           </a:p>
@@ -1898,7 +1898,7 @@
           <a:p>
             <a:fld id="{AE815B46-341F-5944-85F1-809C855EA4E3}" type="datetimeFigureOut">
               <a:rPr lang="en-US" smtClean="0"/>
-              <a:t>10/8/17</a:t>
+              <a:t>11/27/17</a:t>
             </a:fld>
             <a:endParaRPr lang="en-US"/>
           </a:p>
@@ -1993,7 +1993,7 @@
           <a:p>
             <a:fld id="{AE815B46-341F-5944-85F1-809C855EA4E3}" type="datetimeFigureOut">
               <a:rPr lang="en-US" smtClean="0"/>
-              <a:t>10/8/17</a:t>
+              <a:t>11/27/17</a:t>
             </a:fld>
             <a:endParaRPr lang="en-US"/>
           </a:p>
@@ -2270,7 +2270,7 @@
           <a:p>
             <a:fld id="{AE815B46-341F-5944-85F1-809C855EA4E3}" type="datetimeFigureOut">
               <a:rPr lang="en-US" smtClean="0"/>
-              <a:t>10/8/17</a:t>
+              <a:t>11/27/17</a:t>
             </a:fld>
             <a:endParaRPr lang="en-US"/>
           </a:p>
@@ -2523,7 +2523,7 @@
           <a:p>
             <a:fld id="{AE815B46-341F-5944-85F1-809C855EA4E3}" type="datetimeFigureOut">
               <a:rPr lang="en-US" smtClean="0"/>
-              <a:t>10/8/17</a:t>
+              <a:t>11/27/17</a:t>
             </a:fld>
             <a:endParaRPr lang="en-US"/>
           </a:p>
@@ -2736,7 +2736,7 @@
           <a:p>
             <a:fld id="{AE815B46-341F-5944-85F1-809C855EA4E3}" type="datetimeFigureOut">
               <a:rPr lang="en-US" smtClean="0"/>
-              <a:t>10/8/17</a:t>
+              <a:t>11/27/17</a:t>
             </a:fld>
             <a:endParaRPr lang="en-US"/>
           </a:p>
@@ -3111,126 +3111,281 @@
           <a:chExt cx="0" cy="0"/>
         </a:xfrm>
       </p:grpSpPr>
-      <p:sp>
-        <p:nvSpPr>
-          <p:cNvPr id="17" name="Rectangle 16"/>
-          <p:cNvSpPr/>
+      <p:grpSp>
+        <p:nvGrpSpPr>
+          <p:cNvPr id="10" name="Group 9"/>
+          <p:cNvGrpSpPr/>
           <p:nvPr/>
-        </p:nvSpPr>
-        <p:spPr>
+        </p:nvGrpSpPr>
+        <p:grpSpPr>
           <a:xfrm>
-            <a:off x="4847589" y="3279242"/>
-            <a:ext cx="275302" cy="221921"/>
+            <a:off x="1751803" y="1879347"/>
+            <a:ext cx="4196538" cy="1003545"/>
+            <a:chOff x="2569133" y="413397"/>
+            <a:chExt cx="4196538" cy="1003545"/>
           </a:xfrm>
-          <a:prstGeom prst="rect">
-            <a:avLst/>
-          </a:prstGeom>
-          <a:solidFill>
-            <a:schemeClr val="bg1"/>
-          </a:solidFill>
-          <a:ln>
-            <a:noFill/>
-          </a:ln>
-          <a:effectLst/>
-        </p:spPr>
-        <p:style>
-          <a:lnRef idx="1">
-            <a:schemeClr val="accent1"/>
-          </a:lnRef>
-          <a:fillRef idx="3">
-            <a:schemeClr val="accent1"/>
-          </a:fillRef>
-          <a:effectRef idx="2">
-            <a:schemeClr val="accent1"/>
-          </a:effectRef>
-          <a:fontRef idx="minor">
-            <a:schemeClr val="lt1"/>
-          </a:fontRef>
-        </p:style>
-        <p:txBody>
-          <a:bodyPr rtlCol="0" anchor="ctr"/>
-          <a:lstStyle/>
-          <a:p>
-            <a:pPr algn="ctr"/>
-            <a:endParaRPr lang="en-US"/>
-          </a:p>
-        </p:txBody>
-      </p:sp>
-      <p:sp>
-        <p:nvSpPr>
-          <p:cNvPr id="20" name="Rectangle 19"/>
-          <p:cNvSpPr/>
-          <p:nvPr/>
-        </p:nvSpPr>
-        <p:spPr>
-          <a:xfrm>
-            <a:off x="2759828" y="3149600"/>
-            <a:ext cx="275302" cy="221921"/>
-          </a:xfrm>
-          <a:prstGeom prst="rect">
-            <a:avLst/>
-          </a:prstGeom>
-          <a:solidFill>
-            <a:schemeClr val="bg1"/>
-          </a:solidFill>
-          <a:ln>
-            <a:noFill/>
-          </a:ln>
-          <a:effectLst/>
-        </p:spPr>
-        <p:style>
-          <a:lnRef idx="1">
-            <a:schemeClr val="accent1"/>
-          </a:lnRef>
-          <a:fillRef idx="3">
-            <a:schemeClr val="accent1"/>
-          </a:fillRef>
-          <a:effectRef idx="2">
-            <a:schemeClr val="accent1"/>
-          </a:effectRef>
-          <a:fontRef idx="minor">
-            <a:schemeClr val="lt1"/>
-          </a:fontRef>
-        </p:style>
-        <p:txBody>
-          <a:bodyPr rtlCol="0" anchor="ctr"/>
-          <a:lstStyle/>
-          <a:p>
-            <a:pPr algn="ctr"/>
-            <a:endParaRPr lang="en-US"/>
-          </a:p>
-        </p:txBody>
-      </p:sp>
-      <p:pic>
-        <p:nvPicPr>
-          <p:cNvPr id="4" name="Picture 3" descr="1a-singlestrand.pdf"/>
-          <p:cNvPicPr>
-            <a:picLocks noChangeAspect="1"/>
-          </p:cNvPicPr>
-          <p:nvPr/>
-        </p:nvPicPr>
-        <p:blipFill>
-          <a:blip r:embed="rId2">
-            <a:extLst>
-              <a:ext uri="{28A0092B-C50C-407E-A947-70E740481C1C}">
-                <a14:useLocalDpi xmlns:a14="http://schemas.microsoft.com/office/drawing/2010/main" val="0"/>
-              </a:ext>
-            </a:extLst>
-          </a:blip>
-          <a:stretch>
-            <a:fillRect/>
-          </a:stretch>
-        </p:blipFill>
-        <p:spPr>
-          <a:xfrm>
-            <a:off x="2501900" y="3149600"/>
-            <a:ext cx="4140200" cy="546100"/>
-          </a:xfrm>
-          <a:prstGeom prst="rect">
-            <a:avLst/>
-          </a:prstGeom>
-        </p:spPr>
-      </p:pic>
+        </p:grpSpPr>
+        <p:sp>
+          <p:nvSpPr>
+            <p:cNvPr id="11" name="Rectangle 10"/>
+            <p:cNvSpPr/>
+            <p:nvPr/>
+          </p:nvSpPr>
+          <p:spPr>
+            <a:xfrm>
+              <a:off x="2861009" y="1050856"/>
+              <a:ext cx="275302" cy="221921"/>
+            </a:xfrm>
+            <a:prstGeom prst="rect">
+              <a:avLst/>
+            </a:prstGeom>
+            <a:solidFill>
+              <a:schemeClr val="bg1"/>
+            </a:solidFill>
+            <a:ln>
+              <a:noFill/>
+            </a:ln>
+            <a:effectLst/>
+          </p:spPr>
+          <p:style>
+            <a:lnRef idx="1">
+              <a:schemeClr val="accent1"/>
+            </a:lnRef>
+            <a:fillRef idx="3">
+              <a:schemeClr val="accent1"/>
+            </a:fillRef>
+            <a:effectRef idx="2">
+              <a:schemeClr val="accent1"/>
+            </a:effectRef>
+            <a:fontRef idx="minor">
+              <a:schemeClr val="lt1"/>
+            </a:fontRef>
+          </p:style>
+          <p:txBody>
+            <a:bodyPr rtlCol="0" anchor="ctr"/>
+            <a:lstStyle/>
+            <a:p>
+              <a:pPr algn="ctr"/>
+              <a:endParaRPr lang="en-US" dirty="0"/>
+            </a:p>
+          </p:txBody>
+        </p:sp>
+        <p:cxnSp>
+          <p:nvCxnSpPr>
+            <p:cNvPr id="12" name="Straight Connector 11"/>
+            <p:cNvCxnSpPr/>
+            <p:nvPr/>
+          </p:nvCxnSpPr>
+          <p:spPr>
+            <a:xfrm>
+              <a:off x="2569133" y="1140336"/>
+              <a:ext cx="4191000" cy="0"/>
+            </a:xfrm>
+            <a:prstGeom prst="line">
+              <a:avLst/>
+            </a:prstGeom>
+            <a:ln w="38100" cap="flat" cmpd="sng" algn="ctr">
+              <a:solidFill>
+                <a:srgbClr val="000000"/>
+              </a:solidFill>
+              <a:prstDash val="solid"/>
+              <a:round/>
+              <a:headEnd type="none" w="med" len="med"/>
+              <a:tailEnd type="none" w="med" len="med"/>
+            </a:ln>
+            <a:effectLst/>
+          </p:spPr>
+          <p:style>
+            <a:lnRef idx="2">
+              <a:schemeClr val="accent1"/>
+            </a:lnRef>
+            <a:fillRef idx="0">
+              <a:schemeClr val="accent1"/>
+            </a:fillRef>
+            <a:effectRef idx="1">
+              <a:schemeClr val="accent1"/>
+            </a:effectRef>
+            <a:fontRef idx="minor">
+              <a:schemeClr val="tx1"/>
+            </a:fontRef>
+          </p:style>
+        </p:cxnSp>
+        <p:sp>
+          <p:nvSpPr>
+            <p:cNvPr id="13" name="Right Arrow 12"/>
+            <p:cNvSpPr/>
+            <p:nvPr/>
+          </p:nvSpPr>
+          <p:spPr>
+            <a:xfrm>
+              <a:off x="4740833" y="949836"/>
+              <a:ext cx="1168400" cy="350140"/>
+            </a:xfrm>
+            <a:prstGeom prst="rightArrow">
+              <a:avLst>
+                <a:gd name="adj1" fmla="val 100000"/>
+                <a:gd name="adj2" fmla="val 52194"/>
+              </a:avLst>
+            </a:prstGeom>
+            <a:solidFill>
+              <a:schemeClr val="accent2"/>
+            </a:solidFill>
+            <a:ln w="38100" cap="flat" cmpd="sng" algn="ctr">
+              <a:solidFill>
+                <a:srgbClr val="000000"/>
+              </a:solidFill>
+              <a:prstDash val="solid"/>
+              <a:round/>
+              <a:headEnd type="none" w="med" len="med"/>
+              <a:tailEnd type="none" w="med" len="med"/>
+            </a:ln>
+            <a:effectLst/>
+          </p:spPr>
+          <p:style>
+            <a:lnRef idx="1">
+              <a:schemeClr val="accent1"/>
+            </a:lnRef>
+            <a:fillRef idx="3">
+              <a:schemeClr val="accent1"/>
+            </a:fillRef>
+            <a:effectRef idx="2">
+              <a:schemeClr val="accent1"/>
+            </a:effectRef>
+            <a:fontRef idx="minor">
+              <a:schemeClr val="lt1"/>
+            </a:fontRef>
+          </p:style>
+          <p:txBody>
+            <a:bodyPr rtlCol="0" anchor="ctr"/>
+            <a:lstStyle/>
+            <a:p>
+              <a:pPr algn="ctr"/>
+              <a:endParaRPr lang="en-US" i="1" dirty="0">
+                <a:solidFill>
+                  <a:schemeClr val="tx1"/>
+                </a:solidFill>
+              </a:endParaRPr>
+            </a:p>
+          </p:txBody>
+        </p:sp>
+        <p:sp>
+          <p:nvSpPr>
+            <p:cNvPr id="14" name="Chord 13"/>
+            <p:cNvSpPr/>
+            <p:nvPr/>
+          </p:nvSpPr>
+          <p:spPr>
+            <a:xfrm>
+              <a:off x="3734347" y="784736"/>
+              <a:ext cx="632206" cy="632206"/>
+            </a:xfrm>
+            <a:prstGeom prst="chord">
+              <a:avLst>
+                <a:gd name="adj1" fmla="val 10506229"/>
+                <a:gd name="adj2" fmla="val 301460"/>
+              </a:avLst>
+            </a:prstGeom>
+            <a:solidFill>
+              <a:schemeClr val="accent4">
+                <a:lumMod val="60000"/>
+                <a:lumOff val="40000"/>
+              </a:schemeClr>
+            </a:solidFill>
+            <a:ln w="38100" cap="flat" cmpd="sng" algn="ctr">
+              <a:solidFill>
+                <a:srgbClr val="000000"/>
+              </a:solidFill>
+              <a:prstDash val="solid"/>
+              <a:round/>
+              <a:headEnd type="none" w="med" len="med"/>
+              <a:tailEnd type="none" w="med" len="med"/>
+            </a:ln>
+            <a:effectLst/>
+          </p:spPr>
+          <p:style>
+            <a:lnRef idx="1">
+              <a:schemeClr val="accent1"/>
+            </a:lnRef>
+            <a:fillRef idx="3">
+              <a:schemeClr val="accent1"/>
+            </a:fillRef>
+            <a:effectRef idx="2">
+              <a:schemeClr val="accent1"/>
+            </a:effectRef>
+            <a:fontRef idx="minor">
+              <a:schemeClr val="lt1"/>
+            </a:fontRef>
+          </p:style>
+          <p:txBody>
+            <a:bodyPr rtlCol="0" anchor="ctr"/>
+            <a:lstStyle/>
+            <a:p>
+              <a:pPr algn="ctr"/>
+              <a:endParaRPr lang="en-US"/>
+            </a:p>
+          </p:txBody>
+        </p:sp>
+        <p:pic>
+          <p:nvPicPr>
+            <p:cNvPr id="15" name="Picture 14"/>
+            <p:cNvPicPr>
+              <a:picLocks noChangeAspect="1"/>
+            </p:cNvPicPr>
+            <p:nvPr/>
+          </p:nvPicPr>
+          <p:blipFill>
+            <a:blip r:embed="rId2">
+              <a:extLst>
+                <a:ext uri="{28A0092B-C50C-407E-A947-70E740481C1C}">
+                  <a14:useLocalDpi xmlns:a14="http://schemas.microsoft.com/office/drawing/2010/main" val="0"/>
+                </a:ext>
+              </a:extLst>
+            </a:blip>
+            <a:stretch>
+              <a:fillRect/>
+            </a:stretch>
+          </p:blipFill>
+          <p:spPr>
+            <a:xfrm>
+              <a:off x="2803319" y="413397"/>
+              <a:ext cx="771908" cy="771908"/>
+            </a:xfrm>
+            <a:prstGeom prst="rect">
+              <a:avLst/>
+            </a:prstGeom>
+          </p:spPr>
+        </p:pic>
+        <p:pic>
+          <p:nvPicPr>
+            <p:cNvPr id="16" name="Picture 15"/>
+            <p:cNvPicPr>
+              <a:picLocks noChangeAspect="1"/>
+            </p:cNvPicPr>
+            <p:nvPr/>
+          </p:nvPicPr>
+          <p:blipFill>
+            <a:blip r:embed="rId3">
+              <a:extLst>
+                <a:ext uri="{28A0092B-C50C-407E-A947-70E740481C1C}">
+                  <a14:useLocalDpi xmlns:a14="http://schemas.microsoft.com/office/drawing/2010/main" val="0"/>
+                </a:ext>
+              </a:extLst>
+            </a:blip>
+            <a:stretch>
+              <a:fillRect/>
+            </a:stretch>
+          </p:blipFill>
+          <p:spPr>
+            <a:xfrm>
+              <a:off x="5971536" y="499461"/>
+              <a:ext cx="794135" cy="794135"/>
+            </a:xfrm>
+            <a:prstGeom prst="rect">
+              <a:avLst/>
+            </a:prstGeom>
+          </p:spPr>
+        </p:pic>
+      </p:grpSp>
       <p:sp>
         <p:nvSpPr>
           <p:cNvPr id="24" name="TextBox 23"/>
@@ -3268,7 +3423,7 @@
         </p:nvSpPr>
         <p:spPr>
           <a:xfrm>
-            <a:off x="2455575" y="3593076"/>
+            <a:off x="1882236" y="2581260"/>
             <a:ext cx="610601" cy="369332"/>
           </a:xfrm>
           <a:prstGeom prst="rect">
@@ -3298,7 +3453,7 @@
         </p:nvSpPr>
         <p:spPr>
           <a:xfrm>
-            <a:off x="4493868" y="3236364"/>
+            <a:off x="3917965" y="2388567"/>
             <a:ext cx="993707" cy="369332"/>
           </a:xfrm>
           <a:prstGeom prst="rect">
@@ -3328,7 +3483,7 @@
         </p:nvSpPr>
         <p:spPr>
           <a:xfrm>
-            <a:off x="6196562" y="3209192"/>
+            <a:off x="5553701" y="2177812"/>
             <a:ext cx="778203" cy="369332"/>
           </a:xfrm>
           <a:prstGeom prst="rect">
